--- a/The research project/The_power_point.pptx
+++ b/The research project/The_power_point.pptx
@@ -13,6 +13,12 @@
     <p:sldId id="261" r:id="rId7"/>
     <p:sldId id="262" r:id="rId8"/>
     <p:sldId id="263" r:id="rId9"/>
+    <p:sldId id="264" r:id="rId10"/>
+    <p:sldId id="265" r:id="rId11"/>
+    <p:sldId id="266" r:id="rId12"/>
+    <p:sldId id="267" r:id="rId13"/>
+    <p:sldId id="268" r:id="rId14"/>
+    <p:sldId id="269" r:id="rId15"/>
   </p:sldIdLst>
   <p:sldSz cx="9144000" cy="5143500" type="screen16x9"/>
   <p:notesSz cx="6858000" cy="9144000"/>
@@ -3154,7 +3160,7 @@
             <a:br/>
             <a:r>
               <a:rPr/>
-              <a:t>John Doe</a:t>
+              <a:t>Tie Ma</a:t>
             </a:r>
           </a:p>
         </p:txBody>
@@ -3180,6 +3186,333 @@
             <a:r>
               <a:rPr/>
               <a:t>March 22, 2005</a:t>
+            </a:r>
+          </a:p>
+        </p:txBody>
+      </p:sp>
+    </p:spTree>
+  </p:cSld>
+</p:sld>
+</file>
+
+<file path=ppt/slides/slide10.xml><?xml version="1.0" encoding="utf-8"?>
+<p:sld xmlns:a="http://schemas.openxmlformats.org/drawingml/2006/main" xmlns:r="http://schemas.openxmlformats.org/officeDocument/2006/relationships" xmlns:p="http://schemas.openxmlformats.org/presentationml/2006/main">
+  <p:cSld>
+    <p:spTree>
+      <p:nvGrpSpPr>
+        <p:cNvPr id="1" name=""/>
+        <p:cNvGrpSpPr/>
+        <p:nvPr/>
+      </p:nvGrpSpPr>
+      <p:grpSpPr>
+        <a:xfrm>
+          <a:off x="0" y="0"/>
+          <a:ext cx="0" cy="0"/>
+          <a:chOff x="0" y="0"/>
+          <a:chExt cx="0" cy="0"/>
+        </a:xfrm>
+      </p:grpSpPr>
+      <p:sp>
+        <p:nvSpPr>
+          <p:cNvPr id="3" name="Content Placeholder 2"/>
+          <p:cNvSpPr>
+            <a:spLocks noGrp="1"/>
+          </p:cNvSpPr>
+          <p:nvPr>
+            <p:ph idx="1"/>
+          </p:nvPr>
+        </p:nvSpPr>
+        <p:spPr/>
+        <p:txBody>
+          <a:bodyPr/>
+          <a:lstStyle/>
+          <a:p>
+            <a:pPr lvl="0" indent="0" marL="0">
+              <a:buNone/>
+            </a:pPr>
+            <a:r>
+              <a:rPr/>
+              <a:t>Both auto.arima suggest the data is random walk with ARIMA(0,1,1)</a:t>
+            </a:r>
+          </a:p>
+        </p:txBody>
+      </p:sp>
+    </p:spTree>
+  </p:cSld>
+</p:sld>
+</file>
+
+<file path=ppt/slides/slide11.xml><?xml version="1.0" encoding="utf-8"?>
+<p:sld xmlns:a="http://schemas.openxmlformats.org/drawingml/2006/main" xmlns:r="http://schemas.openxmlformats.org/officeDocument/2006/relationships" xmlns:p="http://schemas.openxmlformats.org/presentationml/2006/main">
+  <p:cSld>
+    <p:spTree>
+      <p:nvGrpSpPr>
+        <p:cNvPr id="1" name=""/>
+        <p:cNvGrpSpPr/>
+        <p:nvPr/>
+      </p:nvGrpSpPr>
+      <p:grpSpPr>
+        <a:xfrm>
+          <a:off x="0" y="0"/>
+          <a:ext cx="0" cy="0"/>
+          <a:chOff x="0" y="0"/>
+          <a:chExt cx="0" cy="0"/>
+        </a:xfrm>
+      </p:grpSpPr>
+      <p:sp>
+        <p:nvSpPr>
+          <p:cNvPr id="2" name="Title 1"/>
+          <p:cNvSpPr>
+            <a:spLocks noGrp="1"/>
+          </p:cNvSpPr>
+          <p:nvPr>
+            <p:ph type="title"/>
+          </p:nvPr>
+        </p:nvSpPr>
+        <p:spPr/>
+        <p:txBody>
+          <a:bodyPr/>
+          <a:lstStyle/>
+          <a:p>
+            <a:pPr lvl="0" indent="0" marL="0">
+              <a:buNone/>
+            </a:pPr>
+            <a:r>
+              <a:rPr/>
+              <a:t>So, here is my forecasting base on all the model I got from auto.arima</a:t>
+            </a:r>
+          </a:p>
+        </p:txBody>
+      </p:sp>
+      <p:pic>
+        <p:nvPicPr>
+          <p:cNvPr descr="The_power_point_files/figure-pptx/unnamed-chunk-8-1.png" id="0" name="Picture 1"/>
+          <p:cNvPicPr>
+            <a:picLocks noGrp="1" noChangeAspect="1"/>
+          </p:cNvPicPr>
+          <p:nvPr/>
+        </p:nvPicPr>
+        <p:blipFill>
+          <a:blip r:embed="rId2"/>
+          <a:stretch>
+            <a:fillRect/>
+          </a:stretch>
+        </p:blipFill>
+        <p:spPr bwMode="auto">
+          <a:xfrm>
+            <a:off x="2451100" y="1193800"/>
+            <a:ext cx="4241800" cy="3390900"/>
+          </a:xfrm>
+          <a:prstGeom prst="rect">
+            <a:avLst/>
+          </a:prstGeom>
+          <a:noFill/>
+          <a:ln w="9525">
+            <a:noFill/>
+            <a:headEnd/>
+            <a:tailEnd/>
+          </a:ln>
+        </p:spPr>
+      </p:pic>
+    </p:spTree>
+  </p:cSld>
+</p:sld>
+</file>
+
+<file path=ppt/slides/slide12.xml><?xml version="1.0" encoding="utf-8"?>
+<p:sld xmlns:a="http://schemas.openxmlformats.org/drawingml/2006/main" xmlns:r="http://schemas.openxmlformats.org/officeDocument/2006/relationships" xmlns:p="http://schemas.openxmlformats.org/presentationml/2006/main">
+  <p:cSld>
+    <p:spTree>
+      <p:nvGrpSpPr>
+        <p:cNvPr id="1" name=""/>
+        <p:cNvGrpSpPr/>
+        <p:nvPr/>
+      </p:nvGrpSpPr>
+      <p:grpSpPr>
+        <a:xfrm>
+          <a:off x="0" y="0"/>
+          <a:ext cx="0" cy="0"/>
+          <a:chOff x="0" y="0"/>
+          <a:chExt cx="0" cy="0"/>
+        </a:xfrm>
+      </p:grpSpPr>
+      <p:sp>
+        <p:nvSpPr>
+          <p:cNvPr id="4" name="Text Placeholder 3"/>
+          <p:cNvSpPr>
+            <a:spLocks noGrp="1"/>
+          </p:cNvSpPr>
+          <p:nvPr>
+            <p:ph idx="2" sz="half" type="body"/>
+          </p:nvPr>
+        </p:nvSpPr>
+        <p:spPr/>
+        <p:txBody>
+          <a:bodyPr/>
+          <a:lstStyle/>
+          <a:p>
+            <a:pPr lvl="0" indent="0" marL="0">
+              <a:buNone/>
+            </a:pPr>
+          </a:p>
+        </p:txBody>
+      </p:sp>
+      <p:pic>
+        <p:nvPicPr>
+          <p:cNvPr descr="The_power_point_files/figure-pptx/unnamed-chunk-9-1.png" id="0" name="Picture 1"/>
+          <p:cNvPicPr>
+            <a:picLocks noGrp="1" noChangeAspect="1"/>
+          </p:cNvPicPr>
+          <p:nvPr/>
+        </p:nvPicPr>
+        <p:blipFill>
+          <a:blip r:embed="rId2"/>
+          <a:stretch>
+            <a:fillRect/>
+          </a:stretch>
+        </p:blipFill>
+        <p:spPr bwMode="auto">
+          <a:xfrm>
+            <a:off x="3568700" y="355600"/>
+            <a:ext cx="5105400" cy="4089400"/>
+          </a:xfrm>
+          <a:prstGeom prst="rect">
+            <a:avLst/>
+          </a:prstGeom>
+          <a:noFill/>
+          <a:ln w="9525">
+            <a:noFill/>
+            <a:headEnd/>
+            <a:tailEnd/>
+          </a:ln>
+        </p:spPr>
+      </p:pic>
+    </p:spTree>
+  </p:cSld>
+</p:sld>
+</file>
+
+<file path=ppt/slides/slide13.xml><?xml version="1.0" encoding="utf-8"?>
+<p:sld xmlns:a="http://schemas.openxmlformats.org/drawingml/2006/main" xmlns:r="http://schemas.openxmlformats.org/officeDocument/2006/relationships" xmlns:p="http://schemas.openxmlformats.org/presentationml/2006/main">
+  <p:cSld>
+    <p:spTree>
+      <p:nvGrpSpPr>
+        <p:cNvPr id="1" name=""/>
+        <p:cNvGrpSpPr/>
+        <p:nvPr/>
+      </p:nvGrpSpPr>
+      <p:grpSpPr>
+        <a:xfrm>
+          <a:off x="0" y="0"/>
+          <a:ext cx="0" cy="0"/>
+          <a:chOff x="0" y="0"/>
+          <a:chExt cx="0" cy="0"/>
+        </a:xfrm>
+      </p:grpSpPr>
+      <p:sp>
+        <p:nvSpPr>
+          <p:cNvPr id="4" name="Text Placeholder 3"/>
+          <p:cNvSpPr>
+            <a:spLocks noGrp="1"/>
+          </p:cNvSpPr>
+          <p:nvPr>
+            <p:ph idx="2" sz="half" type="body"/>
+          </p:nvPr>
+        </p:nvSpPr>
+        <p:spPr/>
+        <p:txBody>
+          <a:bodyPr/>
+          <a:lstStyle/>
+          <a:p>
+            <a:pPr lvl="0" indent="0" marL="0">
+              <a:buNone/>
+            </a:pPr>
+          </a:p>
+        </p:txBody>
+      </p:sp>
+      <p:pic>
+        <p:nvPicPr>
+          <p:cNvPr descr="The_power_point_files/figure-pptx/unnamed-chunk-10-1.png" id="0" name="Picture 1"/>
+          <p:cNvPicPr>
+            <a:picLocks noGrp="1" noChangeAspect="1"/>
+          </p:cNvPicPr>
+          <p:nvPr/>
+        </p:nvPicPr>
+        <p:blipFill>
+          <a:blip r:embed="rId2"/>
+          <a:stretch>
+            <a:fillRect/>
+          </a:stretch>
+        </p:blipFill>
+        <p:spPr bwMode="auto">
+          <a:xfrm>
+            <a:off x="3568700" y="355600"/>
+            <a:ext cx="5105400" cy="4089400"/>
+          </a:xfrm>
+          <a:prstGeom prst="rect">
+            <a:avLst/>
+          </a:prstGeom>
+          <a:noFill/>
+          <a:ln w="9525">
+            <a:noFill/>
+            <a:headEnd/>
+            <a:tailEnd/>
+          </a:ln>
+        </p:spPr>
+      </p:pic>
+    </p:spTree>
+  </p:cSld>
+</p:sld>
+</file>
+
+<file path=ppt/slides/slide14.xml><?xml version="1.0" encoding="utf-8"?>
+<p:sld xmlns:a="http://schemas.openxmlformats.org/drawingml/2006/main" xmlns:r="http://schemas.openxmlformats.org/officeDocument/2006/relationships" xmlns:p="http://schemas.openxmlformats.org/presentationml/2006/main">
+  <p:cSld>
+    <p:spTree>
+      <p:nvGrpSpPr>
+        <p:cNvPr id="1" name=""/>
+        <p:cNvGrpSpPr/>
+        <p:nvPr/>
+      </p:nvGrpSpPr>
+      <p:grpSpPr>
+        <a:xfrm>
+          <a:off x="0" y="0"/>
+          <a:ext cx="0" cy="0"/>
+          <a:chOff x="0" y="0"/>
+          <a:chExt cx="0" cy="0"/>
+        </a:xfrm>
+      </p:grpSpPr>
+      <p:sp>
+        <p:nvSpPr>
+          <p:cNvPr id="3" name="Content Placeholder 2"/>
+          <p:cNvSpPr>
+            <a:spLocks noGrp="1"/>
+          </p:cNvSpPr>
+          <p:nvPr>
+            <p:ph idx="1"/>
+          </p:nvPr>
+        </p:nvSpPr>
+        <p:spPr/>
+        <p:txBody>
+          <a:bodyPr/>
+          <a:lstStyle/>
+          <a:p>
+            <a:pPr lvl="0" indent="0" marL="0">
+              <a:buNone/>
+            </a:pPr>
+          </a:p>
+          <a:p>
+            <a:pPr lvl="0"/>
+            <a:r>
+              <a:rPr/>
+              <a:t>Get in bed</a:t>
+            </a:r>
+          </a:p>
+          <a:p>
+            <a:pPr lvl="0"/>
+            <a:r>
+              <a:rPr/>
+              <a:t>Count sheep</a:t>
             </a:r>
           </a:p>
         </p:txBody>
@@ -3216,17 +3549,59 @@
             <p:ph type="title"/>
           </p:nvPr>
         </p:nvSpPr>
+        <p:spPr>
+          <a:xfrm>
+            <a:off x="457201" y="204787"/>
+            <a:ext cx="3008313" cy="871538"/>
+          </a:xfrm>
+        </p:spPr>
+        <p:txBody>
+          <a:bodyPr/>
+          <a:lstStyle/>
+          <a:p>
+            <a:pPr lvl="0" indent="0" marL="0">
+              <a:buNone/>
+            </a:pPr>
+            <a:r>
+              <a:rPr/>
+              <a:t>The Canadian housing market sales date</a:t>
+            </a:r>
+          </a:p>
+        </p:txBody>
+      </p:sp>
+      <p:sp>
+        <p:nvSpPr>
+          <p:cNvPr id="4" name="Text Placeholder 3"/>
+          <p:cNvSpPr>
+            <a:spLocks noGrp="1"/>
+          </p:cNvSpPr>
+          <p:nvPr>
+            <p:ph idx="2" sz="half" type="body"/>
+          </p:nvPr>
+        </p:nvSpPr>
         <p:spPr/>
         <p:txBody>
           <a:bodyPr/>
           <a:lstStyle/>
           <a:p>
-            <a:pPr lvl="0" indent="0" marL="0">
-              <a:buNone/>
-            </a:pPr>
+            <a:pPr lvl="0"/>
             <a:r>
               <a:rPr/>
-              <a:t>The Canadian housing market sell data seasonal adjust</a:t>
+              <a:t>This time series collected by the Canadian Real Estate association (CREA) on the Canadian housing sales from Jan 2007 to Jan 2023.</a:t>
+            </a:r>
+          </a:p>
+          <a:p>
+            <a:pPr lvl="0"/>
+            <a:r>
+              <a:rPr/>
+              <a:t>why this data?</a:t>
+            </a:r>
+          </a:p>
+          <a:p>
+            <a:pPr lvl="1"/>
+            <a:r>
+              <a:rPr/>
+              <a:t>because this is the only interest data with at least 100 observation related to the housing market.</a:t>
             </a:r>
           </a:p>
         </p:txBody>
@@ -3247,8 +3622,8 @@
         </p:blipFill>
         <p:spPr bwMode="auto">
           <a:xfrm>
-            <a:off x="1181100" y="1193800"/>
-            <a:ext cx="6781800" cy="3390900"/>
+            <a:off x="3568700" y="355600"/>
+            <a:ext cx="5105400" cy="4089400"/>
           </a:xfrm>
           <a:prstGeom prst="rect">
             <a:avLst/>
@@ -3303,7 +3678,7 @@
             </a:pPr>
             <a:r>
               <a:rPr/>
-              <a:t>Forecast in three different part</a:t>
+              <a:t>Some found on the data.</a:t>
             </a:r>
           </a:p>
         </p:txBody>
@@ -3326,30 +3701,381 @@
             <a:pPr lvl="0"/>
             <a:r>
               <a:rPr/>
-              <a:t>The forecast for all data</a:t>
+              <a:t>The data is randomly walking or close to randomly walking.</a:t>
             </a:r>
           </a:p>
           <a:p>
             <a:pPr lvl="0"/>
             <a:r>
               <a:rPr/>
-              <a:t>The forecast for the after 2008 finical crash</a:t>
+              <a:t>The auto.arima function I used while I Played with my data.</a:t>
             </a:r>
           </a:p>
           <a:p>
             <a:pPr lvl="0"/>
             <a:r>
               <a:rPr/>
-              <a:t>The forecast from 3 years before and after Covid pandemic</a:t>
-            </a:r>
-          </a:p>
-          <a:p>
-            <a:pPr lvl="0" indent="0" marL="0">
+              <a:t>This auto.arima setting force auto,arima() to search 15625 combinations of ARIMA from ARIMA(1,1,1)(1,1,1) go to ARIMA (5,5,5)(5,5,5) it will consume a huge amount of computing power. It take my computre around 30s.</a:t>
+            </a:r>
+          </a:p>
+          <a:p>
+            <a:pPr lvl="0" indent="0">
               <a:buNone/>
             </a:pPr>
             <a:r>
+              <a:rPr>
+                <a:latin typeface="Courier"/>
+              </a:rPr>
+              <a:t>all_data_model_1 </a:t>
+            </a:r>
+            <a:r>
+              <a:rPr>
+                <a:solidFill>
+                  <a:srgbClr val="007020"/>
+                </a:solidFill>
+                <a:latin typeface="Courier"/>
+              </a:rPr>
+              <a:t>&lt;-</a:t>
+            </a:r>
+            <a:r>
+              <a:rPr>
+                <a:latin typeface="Courier"/>
+              </a:rPr>
+              <a:t> </a:t>
+            </a:r>
+            <a:r>
+              <a:rPr>
+                <a:solidFill>
+                  <a:srgbClr val="06287E"/>
+                </a:solidFill>
+                <a:latin typeface="Courier"/>
+              </a:rPr>
+              <a:t>auto.arima</a:t>
+            </a:r>
+            <a:r>
+              <a:rPr>
+                <a:latin typeface="Courier"/>
+              </a:rPr>
+              <a:t>(Can_month_housing_sell.ts, </a:t>
+            </a:r>
+            <a:br/>
+            <a:r>
+              <a:rPr>
+                <a:latin typeface="Courier"/>
+              </a:rPr>
+              <a:t>                                </a:t>
+            </a:r>
+            <a:r>
+              <a:rPr>
+                <a:solidFill>
+                  <a:srgbClr val="7D9029"/>
+                </a:solidFill>
+                <a:latin typeface="Courier"/>
+              </a:rPr>
+              <a:t>approximation =</a:t>
+            </a:r>
+            <a:r>
+              <a:rPr>
+                <a:latin typeface="Courier"/>
+              </a:rPr>
+              <a:t> </a:t>
+            </a:r>
+            <a:r>
+              <a:rPr>
+                <a:solidFill>
+                  <a:srgbClr val="880000"/>
+                </a:solidFill>
+                <a:latin typeface="Courier"/>
+              </a:rPr>
+              <a:t>FALSE</a:t>
+            </a:r>
+            <a:r>
+              <a:rPr>
+                <a:latin typeface="Courier"/>
+              </a:rPr>
+              <a:t>, </a:t>
+            </a:r>
+            <a:br/>
+            <a:r>
+              <a:rPr>
+                <a:latin typeface="Courier"/>
+              </a:rPr>
+              <a:t>                                </a:t>
+            </a:r>
+            <a:r>
+              <a:rPr>
+                <a:solidFill>
+                  <a:srgbClr val="7D9029"/>
+                </a:solidFill>
+                <a:latin typeface="Courier"/>
+              </a:rPr>
+              <a:t>parallel =</a:t>
+            </a:r>
+            <a:r>
+              <a:rPr>
+                <a:latin typeface="Courier"/>
+              </a:rPr>
+              <a:t> </a:t>
+            </a:r>
+            <a:r>
+              <a:rPr>
+                <a:solidFill>
+                  <a:srgbClr val="880000"/>
+                </a:solidFill>
+                <a:latin typeface="Courier"/>
+              </a:rPr>
+              <a:t>TRUE</a:t>
+            </a:r>
+            <a:r>
+              <a:rPr>
+                <a:latin typeface="Courier"/>
+              </a:rPr>
+              <a:t>, </a:t>
+            </a:r>
+            <a:br/>
+            <a:r>
+              <a:rPr>
+                <a:latin typeface="Courier"/>
+              </a:rPr>
+              <a:t>                                </a:t>
+            </a:r>
+            <a:r>
+              <a:rPr>
+                <a:solidFill>
+                  <a:srgbClr val="7D9029"/>
+                </a:solidFill>
+                <a:latin typeface="Courier"/>
+              </a:rPr>
+              <a:t>stepwise =</a:t>
+            </a:r>
+            <a:r>
+              <a:rPr>
+                <a:latin typeface="Courier"/>
+              </a:rPr>
+              <a:t> </a:t>
+            </a:r>
+            <a:r>
+              <a:rPr>
+                <a:solidFill>
+                  <a:srgbClr val="880000"/>
+                </a:solidFill>
+                <a:latin typeface="Courier"/>
+              </a:rPr>
+              <a:t>FALSE</a:t>
+            </a:r>
+            <a:r>
+              <a:rPr>
+                <a:latin typeface="Courier"/>
+              </a:rPr>
+              <a:t>, </a:t>
+            </a:r>
+            <a:br/>
+            <a:r>
+              <a:rPr>
+                <a:latin typeface="Courier"/>
+              </a:rPr>
+              <a:t>                                </a:t>
+            </a:r>
+            <a:r>
+              <a:rPr>
+                <a:solidFill>
+                  <a:srgbClr val="7D9029"/>
+                </a:solidFill>
+                <a:latin typeface="Courier"/>
+              </a:rPr>
+              <a:t>max.Q =</a:t>
+            </a:r>
+            <a:r>
+              <a:rPr>
+                <a:latin typeface="Courier"/>
+              </a:rPr>
+              <a:t> </a:t>
+            </a:r>
+            <a:r>
+              <a:rPr>
+                <a:solidFill>
+                  <a:srgbClr val="40A070"/>
+                </a:solidFill>
+                <a:latin typeface="Courier"/>
+              </a:rPr>
+              <a:t>5</a:t>
+            </a:r>
+            <a:r>
+              <a:rPr>
+                <a:latin typeface="Courier"/>
+              </a:rPr>
+              <a:t>, </a:t>
+            </a:r>
+            <a:r>
+              <a:rPr>
+                <a:solidFill>
+                  <a:srgbClr val="7D9029"/>
+                </a:solidFill>
+                <a:latin typeface="Courier"/>
+              </a:rPr>
+              <a:t>max.P =</a:t>
+            </a:r>
+            <a:r>
+              <a:rPr>
+                <a:latin typeface="Courier"/>
+              </a:rPr>
+              <a:t> </a:t>
+            </a:r>
+            <a:r>
+              <a:rPr>
+                <a:solidFill>
+                  <a:srgbClr val="40A070"/>
+                </a:solidFill>
+                <a:latin typeface="Courier"/>
+              </a:rPr>
+              <a:t>5</a:t>
+            </a:r>
+            <a:r>
+              <a:rPr>
+                <a:latin typeface="Courier"/>
+              </a:rPr>
+              <a:t>, </a:t>
+            </a:r>
+            <a:r>
+              <a:rPr>
+                <a:solidFill>
+                  <a:srgbClr val="7D9029"/>
+                </a:solidFill>
+                <a:latin typeface="Courier"/>
+              </a:rPr>
+              <a:t>max.D =</a:t>
+            </a:r>
+            <a:r>
+              <a:rPr>
+                <a:latin typeface="Courier"/>
+              </a:rPr>
+              <a:t> </a:t>
+            </a:r>
+            <a:r>
+              <a:rPr>
+                <a:solidFill>
+                  <a:srgbClr val="40A070"/>
+                </a:solidFill>
+                <a:latin typeface="Courier"/>
+              </a:rPr>
+              <a:t>5</a:t>
+            </a:r>
+            <a:r>
+              <a:rPr>
+                <a:latin typeface="Courier"/>
+              </a:rPr>
+              <a:t>,</a:t>
+            </a:r>
+            <a:br/>
+            <a:r>
+              <a:rPr>
+                <a:latin typeface="Courier"/>
+              </a:rPr>
+              <a:t>                                </a:t>
+            </a:r>
+            <a:r>
+              <a:rPr>
+                <a:solidFill>
+                  <a:srgbClr val="7D9029"/>
+                </a:solidFill>
+                <a:latin typeface="Courier"/>
+              </a:rPr>
+              <a:t>max.d =</a:t>
+            </a:r>
+            <a:r>
+              <a:rPr>
+                <a:latin typeface="Courier"/>
+              </a:rPr>
+              <a:t> </a:t>
+            </a:r>
+            <a:r>
+              <a:rPr>
+                <a:solidFill>
+                  <a:srgbClr val="40A070"/>
+                </a:solidFill>
+                <a:latin typeface="Courier"/>
+              </a:rPr>
+              <a:t>5</a:t>
+            </a:r>
+            <a:r>
+              <a:rPr>
+                <a:latin typeface="Courier"/>
+              </a:rPr>
+              <a:t>, </a:t>
+            </a:r>
+            <a:r>
+              <a:rPr>
+                <a:solidFill>
+                  <a:srgbClr val="7D9029"/>
+                </a:solidFill>
+                <a:latin typeface="Courier"/>
+              </a:rPr>
+              <a:t>max.p =</a:t>
+            </a:r>
+            <a:r>
+              <a:rPr>
+                <a:latin typeface="Courier"/>
+              </a:rPr>
+              <a:t> </a:t>
+            </a:r>
+            <a:r>
+              <a:rPr>
+                <a:solidFill>
+                  <a:srgbClr val="40A070"/>
+                </a:solidFill>
+                <a:latin typeface="Courier"/>
+              </a:rPr>
+              <a:t>5</a:t>
+            </a:r>
+            <a:r>
+              <a:rPr>
+                <a:latin typeface="Courier"/>
+              </a:rPr>
+              <a:t>, </a:t>
+            </a:r>
+            <a:r>
+              <a:rPr>
+                <a:solidFill>
+                  <a:srgbClr val="7D9029"/>
+                </a:solidFill>
+                <a:latin typeface="Courier"/>
+              </a:rPr>
+              <a:t>max.q =</a:t>
+            </a:r>
+            <a:r>
+              <a:rPr>
+                <a:latin typeface="Courier"/>
+              </a:rPr>
+              <a:t> </a:t>
+            </a:r>
+            <a:r>
+              <a:rPr>
+                <a:solidFill>
+                  <a:srgbClr val="40A070"/>
+                </a:solidFill>
+                <a:latin typeface="Courier"/>
+              </a:rPr>
+              <a:t>5</a:t>
+            </a:r>
+            <a:r>
+              <a:rPr>
+                <a:latin typeface="Courier"/>
+              </a:rPr>
+              <a:t>)</a:t>
+            </a:r>
+          </a:p>
+          <a:p>
+            <a:pPr lvl="0"/>
+            <a:r>
               <a:rPr/>
-              <a:t>Further more</a:t>
+              <a:t>will it work better compare to auto.arima() in default setting?</a:t>
+            </a:r>
+          </a:p>
+          <a:p>
+            <a:pPr lvl="0"/>
+            <a:r>
+              <a:rPr/>
+              <a:t>no.</a:t>
             </a:r>
           </a:p>
         </p:txBody>
@@ -3396,7 +4122,7 @@
             </a:pPr>
             <a:r>
               <a:rPr/>
-              <a:t>Breakfast</a:t>
+              <a:t>The data analysis for entire time series.</a:t>
             </a:r>
           </a:p>
         </p:txBody>
@@ -3416,17 +4142,514 @@
           <a:bodyPr/>
           <a:lstStyle/>
           <a:p>
-            <a:pPr lvl="0"/>
-            <a:r>
-              <a:rPr/>
-              <a:t>Eat eggs</a:t>
-            </a:r>
-          </a:p>
-          <a:p>
-            <a:pPr lvl="0"/>
-            <a:r>
-              <a:rPr/>
-              <a:t>Drink coffee</a:t>
+            <a:pPr lvl="0" indent="0">
+              <a:buNone/>
+            </a:pPr>
+            <a:r>
+              <a:rPr>
+                <a:latin typeface="Courier"/>
+              </a:rPr>
+              <a:t>all_data_model_1 </a:t>
+            </a:r>
+            <a:r>
+              <a:rPr>
+                <a:solidFill>
+                  <a:srgbClr val="007020"/>
+                </a:solidFill>
+                <a:latin typeface="Courier"/>
+              </a:rPr>
+              <a:t>&lt;-</a:t>
+            </a:r>
+            <a:r>
+              <a:rPr>
+                <a:latin typeface="Courier"/>
+              </a:rPr>
+              <a:t> </a:t>
+            </a:r>
+            <a:r>
+              <a:rPr>
+                <a:solidFill>
+                  <a:srgbClr val="06287E"/>
+                </a:solidFill>
+                <a:latin typeface="Courier"/>
+              </a:rPr>
+              <a:t>auto.arima</a:t>
+            </a:r>
+            <a:r>
+              <a:rPr>
+                <a:latin typeface="Courier"/>
+              </a:rPr>
+              <a:t>(Can_month_housing_sell.ts, </a:t>
+            </a:r>
+            <a:br/>
+            <a:r>
+              <a:rPr>
+                <a:latin typeface="Courier"/>
+              </a:rPr>
+              <a:t>                                </a:t>
+            </a:r>
+            <a:r>
+              <a:rPr>
+                <a:solidFill>
+                  <a:srgbClr val="7D9029"/>
+                </a:solidFill>
+                <a:latin typeface="Courier"/>
+              </a:rPr>
+              <a:t>approximation =</a:t>
+            </a:r>
+            <a:r>
+              <a:rPr>
+                <a:latin typeface="Courier"/>
+              </a:rPr>
+              <a:t> </a:t>
+            </a:r>
+            <a:r>
+              <a:rPr>
+                <a:solidFill>
+                  <a:srgbClr val="880000"/>
+                </a:solidFill>
+                <a:latin typeface="Courier"/>
+              </a:rPr>
+              <a:t>FALSE</a:t>
+            </a:r>
+            <a:r>
+              <a:rPr>
+                <a:latin typeface="Courier"/>
+              </a:rPr>
+              <a:t>, </a:t>
+            </a:r>
+            <a:br/>
+            <a:r>
+              <a:rPr>
+                <a:latin typeface="Courier"/>
+              </a:rPr>
+              <a:t>                                </a:t>
+            </a:r>
+            <a:r>
+              <a:rPr>
+                <a:solidFill>
+                  <a:srgbClr val="7D9029"/>
+                </a:solidFill>
+                <a:latin typeface="Courier"/>
+              </a:rPr>
+              <a:t>parallel =</a:t>
+            </a:r>
+            <a:r>
+              <a:rPr>
+                <a:latin typeface="Courier"/>
+              </a:rPr>
+              <a:t> </a:t>
+            </a:r>
+            <a:r>
+              <a:rPr>
+                <a:solidFill>
+                  <a:srgbClr val="880000"/>
+                </a:solidFill>
+                <a:latin typeface="Courier"/>
+              </a:rPr>
+              <a:t>TRUE</a:t>
+            </a:r>
+            <a:r>
+              <a:rPr>
+                <a:latin typeface="Courier"/>
+              </a:rPr>
+              <a:t>, </a:t>
+            </a:r>
+            <a:br/>
+            <a:r>
+              <a:rPr>
+                <a:latin typeface="Courier"/>
+              </a:rPr>
+              <a:t>                                </a:t>
+            </a:r>
+            <a:r>
+              <a:rPr>
+                <a:solidFill>
+                  <a:srgbClr val="7D9029"/>
+                </a:solidFill>
+                <a:latin typeface="Courier"/>
+              </a:rPr>
+              <a:t>stepwise =</a:t>
+            </a:r>
+            <a:r>
+              <a:rPr>
+                <a:latin typeface="Courier"/>
+              </a:rPr>
+              <a:t> </a:t>
+            </a:r>
+            <a:r>
+              <a:rPr>
+                <a:solidFill>
+                  <a:srgbClr val="880000"/>
+                </a:solidFill>
+                <a:latin typeface="Courier"/>
+              </a:rPr>
+              <a:t>FALSE</a:t>
+            </a:r>
+            <a:r>
+              <a:rPr>
+                <a:latin typeface="Courier"/>
+              </a:rPr>
+              <a:t>,</a:t>
+            </a:r>
+            <a:br/>
+            <a:r>
+              <a:rPr>
+                <a:latin typeface="Courier"/>
+              </a:rPr>
+              <a:t>                                </a:t>
+            </a:r>
+            <a:r>
+              <a:rPr>
+                <a:solidFill>
+                  <a:srgbClr val="7D9029"/>
+                </a:solidFill>
+                <a:latin typeface="Courier"/>
+              </a:rPr>
+              <a:t>max.Q =</a:t>
+            </a:r>
+            <a:r>
+              <a:rPr>
+                <a:latin typeface="Courier"/>
+              </a:rPr>
+              <a:t> </a:t>
+            </a:r>
+            <a:r>
+              <a:rPr>
+                <a:solidFill>
+                  <a:srgbClr val="40A070"/>
+                </a:solidFill>
+                <a:latin typeface="Courier"/>
+              </a:rPr>
+              <a:t>5</a:t>
+            </a:r>
+            <a:r>
+              <a:rPr>
+                <a:latin typeface="Courier"/>
+              </a:rPr>
+              <a:t>, </a:t>
+            </a:r>
+            <a:r>
+              <a:rPr>
+                <a:solidFill>
+                  <a:srgbClr val="7D9029"/>
+                </a:solidFill>
+                <a:latin typeface="Courier"/>
+              </a:rPr>
+              <a:t>max.P =</a:t>
+            </a:r>
+            <a:r>
+              <a:rPr>
+                <a:latin typeface="Courier"/>
+              </a:rPr>
+              <a:t> </a:t>
+            </a:r>
+            <a:r>
+              <a:rPr>
+                <a:solidFill>
+                  <a:srgbClr val="40A070"/>
+                </a:solidFill>
+                <a:latin typeface="Courier"/>
+              </a:rPr>
+              <a:t>5</a:t>
+            </a:r>
+            <a:r>
+              <a:rPr>
+                <a:latin typeface="Courier"/>
+              </a:rPr>
+              <a:t>, </a:t>
+            </a:r>
+            <a:r>
+              <a:rPr>
+                <a:solidFill>
+                  <a:srgbClr val="7D9029"/>
+                </a:solidFill>
+                <a:latin typeface="Courier"/>
+              </a:rPr>
+              <a:t>max.D =</a:t>
+            </a:r>
+            <a:r>
+              <a:rPr>
+                <a:latin typeface="Courier"/>
+              </a:rPr>
+              <a:t> </a:t>
+            </a:r>
+            <a:r>
+              <a:rPr>
+                <a:solidFill>
+                  <a:srgbClr val="40A070"/>
+                </a:solidFill>
+                <a:latin typeface="Courier"/>
+              </a:rPr>
+              <a:t>5</a:t>
+            </a:r>
+            <a:r>
+              <a:rPr>
+                <a:latin typeface="Courier"/>
+              </a:rPr>
+              <a:t>,</a:t>
+            </a:r>
+            <a:br/>
+            <a:r>
+              <a:rPr>
+                <a:latin typeface="Courier"/>
+              </a:rPr>
+              <a:t>                                </a:t>
+            </a:r>
+            <a:r>
+              <a:rPr>
+                <a:solidFill>
+                  <a:srgbClr val="7D9029"/>
+                </a:solidFill>
+                <a:latin typeface="Courier"/>
+              </a:rPr>
+              <a:t>max.d =</a:t>
+            </a:r>
+            <a:r>
+              <a:rPr>
+                <a:latin typeface="Courier"/>
+              </a:rPr>
+              <a:t> </a:t>
+            </a:r>
+            <a:r>
+              <a:rPr>
+                <a:solidFill>
+                  <a:srgbClr val="40A070"/>
+                </a:solidFill>
+                <a:latin typeface="Courier"/>
+              </a:rPr>
+              <a:t>5</a:t>
+            </a:r>
+            <a:r>
+              <a:rPr>
+                <a:latin typeface="Courier"/>
+              </a:rPr>
+              <a:t>, </a:t>
+            </a:r>
+            <a:r>
+              <a:rPr>
+                <a:solidFill>
+                  <a:srgbClr val="7D9029"/>
+                </a:solidFill>
+                <a:latin typeface="Courier"/>
+              </a:rPr>
+              <a:t>max.p =</a:t>
+            </a:r>
+            <a:r>
+              <a:rPr>
+                <a:latin typeface="Courier"/>
+              </a:rPr>
+              <a:t> </a:t>
+            </a:r>
+            <a:r>
+              <a:rPr>
+                <a:solidFill>
+                  <a:srgbClr val="40A070"/>
+                </a:solidFill>
+                <a:latin typeface="Courier"/>
+              </a:rPr>
+              <a:t>5</a:t>
+            </a:r>
+            <a:r>
+              <a:rPr>
+                <a:latin typeface="Courier"/>
+              </a:rPr>
+              <a:t>, </a:t>
+            </a:r>
+            <a:r>
+              <a:rPr>
+                <a:solidFill>
+                  <a:srgbClr val="7D9029"/>
+                </a:solidFill>
+                <a:latin typeface="Courier"/>
+              </a:rPr>
+              <a:t>max.q =</a:t>
+            </a:r>
+            <a:r>
+              <a:rPr>
+                <a:latin typeface="Courier"/>
+              </a:rPr>
+              <a:t> </a:t>
+            </a:r>
+            <a:r>
+              <a:rPr>
+                <a:solidFill>
+                  <a:srgbClr val="40A070"/>
+                </a:solidFill>
+                <a:latin typeface="Courier"/>
+              </a:rPr>
+              <a:t>5</a:t>
+            </a:r>
+            <a:r>
+              <a:rPr>
+                <a:latin typeface="Courier"/>
+              </a:rPr>
+              <a:t>)</a:t>
+            </a:r>
+            <a:br/>
+            <a:r>
+              <a:rPr>
+                <a:solidFill>
+                  <a:srgbClr val="06287E"/>
+                </a:solidFill>
+                <a:latin typeface="Courier"/>
+              </a:rPr>
+              <a:t>print</a:t>
+            </a:r>
+            <a:r>
+              <a:rPr>
+                <a:latin typeface="Courier"/>
+              </a:rPr>
+              <a:t>(all_data_model_1)     </a:t>
+            </a:r>
+            <a:br/>
+            <a:r>
+              <a:rPr i="1">
+                <a:solidFill>
+                  <a:srgbClr val="60A0B0"/>
+                </a:solidFill>
+                <a:latin typeface="Courier"/>
+              </a:rPr>
+              <a:t>#ARIMA(2,1,0) </a:t>
+            </a:r>
+            <a:br/>
+            <a:br/>
+            <a:r>
+              <a:rPr i="1">
+                <a:solidFill>
+                  <a:srgbClr val="BA2121"/>
+                </a:solidFill>
+                <a:latin typeface="Courier"/>
+              </a:rPr>
+              <a:t>### so, what dos the default auto-arima will give me and how long it take?</a:t>
+            </a:r>
+            <a:br/>
+            <a:r>
+              <a:rPr i="1">
+                <a:solidFill>
+                  <a:srgbClr val="60A0B0"/>
+                </a:solidFill>
+                <a:latin typeface="Courier"/>
+              </a:rPr>
+              <a:t>#0.025s and ARIMA(0,1,1)</a:t>
+            </a:r>
+            <a:br/>
+            <a:br/>
+            <a:r>
+              <a:rPr>
+                <a:latin typeface="Courier"/>
+              </a:rPr>
+              <a:t>all_data_model_2 </a:t>
+            </a:r>
+            <a:r>
+              <a:rPr>
+                <a:solidFill>
+                  <a:srgbClr val="007020"/>
+                </a:solidFill>
+                <a:latin typeface="Courier"/>
+              </a:rPr>
+              <a:t>&lt;-</a:t>
+            </a:r>
+            <a:r>
+              <a:rPr>
+                <a:latin typeface="Courier"/>
+              </a:rPr>
+              <a:t> </a:t>
+            </a:r>
+            <a:r>
+              <a:rPr>
+                <a:solidFill>
+                  <a:srgbClr val="06287E"/>
+                </a:solidFill>
+                <a:latin typeface="Courier"/>
+              </a:rPr>
+              <a:t>auto.arima</a:t>
+            </a:r>
+            <a:r>
+              <a:rPr>
+                <a:latin typeface="Courier"/>
+              </a:rPr>
+              <a:t>(Can_month_housing_sell.ts)</a:t>
+            </a:r>
+            <a:br/>
+            <a:r>
+              <a:rPr>
+                <a:solidFill>
+                  <a:srgbClr val="06287E"/>
+                </a:solidFill>
+                <a:latin typeface="Courier"/>
+              </a:rPr>
+              <a:t>print</a:t>
+            </a:r>
+            <a:r>
+              <a:rPr>
+                <a:latin typeface="Courier"/>
+              </a:rPr>
+              <a:t>(all_data_model_2)</a:t>
+            </a:r>
+            <a:br/>
+            <a:r>
+              <a:rPr i="1">
+                <a:solidFill>
+                  <a:srgbClr val="60A0B0"/>
+                </a:solidFill>
+                <a:latin typeface="Courier"/>
+              </a:rPr>
+              <a:t>#ARIMA(0,1,1) random walk with draft.</a:t>
+            </a:r>
+            <a:br/>
+            <a:br/>
+            <a:r>
+              <a:rPr i="1">
+                <a:solidFill>
+                  <a:srgbClr val="BA2121"/>
+                </a:solidFill>
+                <a:latin typeface="Courier"/>
+              </a:rPr>
+              <a:t>#######################so, which one is better? </a:t>
+            </a:r>
+            <a:br/>
+            <a:br/>
+            <a:r>
+              <a:rPr i="1">
+                <a:solidFill>
+                  <a:srgbClr val="BA2121"/>
+                </a:solidFill>
+                <a:latin typeface="Courier"/>
+              </a:rPr>
+              <a:t>######compare the AIC?</a:t>
+            </a:r>
+            <a:br/>
+            <a:r>
+              <a:rPr>
+                <a:solidFill>
+                  <a:srgbClr val="06287E"/>
+                </a:solidFill>
+                <a:latin typeface="Courier"/>
+              </a:rPr>
+              <a:t>AIC</a:t>
+            </a:r>
+            <a:r>
+              <a:rPr>
+                <a:latin typeface="Courier"/>
+              </a:rPr>
+              <a:t>(all_data_model_2)</a:t>
+            </a:r>
+            <a:br/>
+            <a:r>
+              <a:rPr>
+                <a:solidFill>
+                  <a:srgbClr val="06287E"/>
+                </a:solidFill>
+                <a:latin typeface="Courier"/>
+              </a:rPr>
+              <a:t>AIC</a:t>
+            </a:r>
+            <a:r>
+              <a:rPr>
+                <a:latin typeface="Courier"/>
+              </a:rPr>
+              <a:t>(all_data_model_1)</a:t>
             </a:r>
           </a:p>
         </p:txBody>
@@ -3463,26 +4686,51 @@
             <p:ph type="title"/>
           </p:nvPr>
         </p:nvSpPr>
-        <p:spPr>
+        <p:spPr/>
+        <p:txBody>
+          <a:bodyPr/>
+          <a:lstStyle/>
+          <a:p>
+            <a:pPr lvl="0" indent="0" marL="0">
+              <a:buNone/>
+            </a:pPr>
+            <a:r>
+              <a:rPr/>
+              <a:t>How about not including the 2008 finical crash?</a:t>
+            </a:r>
+          </a:p>
+        </p:txBody>
+      </p:sp>
+      <p:pic>
+        <p:nvPicPr>
+          <p:cNvPr descr="The_power_point_files/figure-pptx/unnamed-chunk-5-1.png" id="0" name="Picture 1"/>
+          <p:cNvPicPr>
+            <a:picLocks noGrp="1" noChangeAspect="1"/>
+          </p:cNvPicPr>
+          <p:nvPr/>
+        </p:nvPicPr>
+        <p:blipFill>
+          <a:blip r:embed="rId2"/>
+          <a:stretch>
+            <a:fillRect/>
+          </a:stretch>
+        </p:blipFill>
+        <p:spPr bwMode="auto">
           <a:xfrm>
-            <a:off x="722313" y="3305176"/>
-            <a:ext cx="7772400" cy="1021556"/>
+            <a:off x="2451100" y="1193800"/>
+            <a:ext cx="4241800" cy="3390900"/>
           </a:xfrm>
+          <a:prstGeom prst="rect">
+            <a:avLst/>
+          </a:prstGeom>
+          <a:noFill/>
+          <a:ln w="9525">
+            <a:noFill/>
+            <a:headEnd/>
+            <a:tailEnd/>
+          </a:ln>
         </p:spPr>
-        <p:txBody>
-          <a:bodyPr/>
-          <a:lstStyle/>
-          <a:p>
-            <a:pPr lvl="0" indent="0" marL="0">
-              <a:buNone/>
-            </a:pPr>
-            <a:r>
-              <a:rPr/>
-              <a:t>In the evening</a:t>
-            </a:r>
-          </a:p>
-        </p:txBody>
-      </p:sp>
+      </p:pic>
     </p:spTree>
   </p:cSld>
 </p:sld>
@@ -3507,12 +4755,12 @@
       </p:grpSpPr>
       <p:sp>
         <p:nvSpPr>
-          <p:cNvPr id="2" name="Title 1"/>
-          <p:cNvSpPr>
-            <a:spLocks noGrp="1"/>
-          </p:cNvSpPr>
-          <p:nvPr>
-            <p:ph type="title"/>
+          <p:cNvPr id="3" name="Content Placeholder 2"/>
+          <p:cNvSpPr>
+            <a:spLocks noGrp="1"/>
+          </p:cNvSpPr>
+          <p:nvPr>
+            <p:ph idx="1"/>
           </p:nvPr>
         </p:nvSpPr>
         <p:spPr/>
@@ -3523,39 +4771,14 @@
             <a:pPr lvl="0" indent="0" marL="0">
               <a:buNone/>
             </a:pPr>
+          </a:p>
+          <a:p>
+            <a:pPr lvl="0" indent="0" marL="0">
+              <a:buNone/>
+            </a:pPr>
             <a:r>
               <a:rPr/>
-              <a:t>Dinner</a:t>
-            </a:r>
-          </a:p>
-        </p:txBody>
-      </p:sp>
-      <p:sp>
-        <p:nvSpPr>
-          <p:cNvPr id="3" name="Content Placeholder 2"/>
-          <p:cNvSpPr>
-            <a:spLocks noGrp="1"/>
-          </p:cNvSpPr>
-          <p:nvPr>
-            <p:ph idx="1"/>
-          </p:nvPr>
-        </p:nvSpPr>
-        <p:spPr/>
-        <p:txBody>
-          <a:bodyPr/>
-          <a:lstStyle/>
-          <a:p>
-            <a:pPr lvl="0"/>
-            <a:r>
-              <a:rPr/>
-              <a:t>Eat spaghetti</a:t>
-            </a:r>
-          </a:p>
-          <a:p>
-            <a:pPr lvl="0"/>
-            <a:r>
-              <a:rPr/>
-              <a:t>Drink wine</a:t>
+              <a:t>Result ARIMA(0,1,1) AIC: 3041.171 ARIMA(2,1,0) AIC: 3038.807 still, random walk with drift?</a:t>
             </a:r>
           </a:p>
         </p:txBody>
@@ -3582,9 +4805,226 @@
           <a:chExt cx="0" cy="0"/>
         </a:xfrm>
       </p:grpSpPr>
+      <p:sp>
+        <p:nvSpPr>
+          <p:cNvPr id="2" name="Title 1"/>
+          <p:cNvSpPr>
+            <a:spLocks noGrp="1"/>
+          </p:cNvSpPr>
+          <p:nvPr>
+            <p:ph type="title"/>
+          </p:nvPr>
+        </p:nvSpPr>
+        <p:spPr>
+          <a:xfrm>
+            <a:off x="457201" y="204787"/>
+            <a:ext cx="3008313" cy="871538"/>
+          </a:xfrm>
+        </p:spPr>
+        <p:txBody>
+          <a:bodyPr/>
+          <a:lstStyle/>
+          <a:p>
+            <a:pPr lvl="0" indent="0" marL="0">
+              <a:buNone/>
+            </a:pPr>
+            <a:r>
+              <a:rPr/>
+              <a:t>How about 3 years before and after 2020 when the covid start to impact canada?</a:t>
+            </a:r>
+          </a:p>
+        </p:txBody>
+      </p:sp>
+      <p:sp>
+        <p:nvSpPr>
+          <p:cNvPr id="4" name="Text Placeholder 3"/>
+          <p:cNvSpPr>
+            <a:spLocks noGrp="1"/>
+          </p:cNvSpPr>
+          <p:nvPr>
+            <p:ph idx="2" sz="half" type="body"/>
+          </p:nvPr>
+        </p:nvSpPr>
+        <p:spPr/>
+        <p:txBody>
+          <a:bodyPr/>
+          <a:lstStyle/>
+          <a:p>
+            <a:pPr lvl="0" indent="0">
+              <a:buNone/>
+            </a:pPr>
+            <a:r>
+              <a:rPr>
+                <a:latin typeface="Courier"/>
+              </a:rPr>
+              <a:t>The_before_during_after_Covid_model.data</a:t>
+            </a:r>
+            <a:r>
+              <a:rPr>
+                <a:solidFill>
+                  <a:srgbClr val="007020"/>
+                </a:solidFill>
+                <a:latin typeface="Courier"/>
+              </a:rPr>
+              <a:t>&lt;-</a:t>
+            </a:r>
+            <a:r>
+              <a:rPr>
+                <a:solidFill>
+                  <a:srgbClr val="06287E"/>
+                </a:solidFill>
+                <a:latin typeface="Courier"/>
+              </a:rPr>
+              <a:t>window</a:t>
+            </a:r>
+            <a:r>
+              <a:rPr>
+                <a:latin typeface="Courier"/>
+              </a:rPr>
+              <a:t>(Can_month_housing_sell.ts, </a:t>
+            </a:r>
+            <a:r>
+              <a:rPr>
+                <a:solidFill>
+                  <a:srgbClr val="7D9029"/>
+                </a:solidFill>
+                <a:latin typeface="Courier"/>
+              </a:rPr>
+              <a:t>start=</a:t>
+            </a:r>
+            <a:r>
+              <a:rPr>
+                <a:latin typeface="Courier"/>
+              </a:rPr>
+              <a:t> </a:t>
+            </a:r>
+            <a:r>
+              <a:rPr>
+                <a:solidFill>
+                  <a:srgbClr val="06287E"/>
+                </a:solidFill>
+                <a:latin typeface="Courier"/>
+              </a:rPr>
+              <a:t>c</a:t>
+            </a:r>
+            <a:r>
+              <a:rPr>
+                <a:latin typeface="Courier"/>
+              </a:rPr>
+              <a:t>(</a:t>
+            </a:r>
+            <a:r>
+              <a:rPr>
+                <a:solidFill>
+                  <a:srgbClr val="40A070"/>
+                </a:solidFill>
+                <a:latin typeface="Courier"/>
+              </a:rPr>
+              <a:t>2017</a:t>
+            </a:r>
+            <a:r>
+              <a:rPr>
+                <a:latin typeface="Courier"/>
+              </a:rPr>
+              <a:t>,</a:t>
+            </a:r>
+            <a:r>
+              <a:rPr>
+                <a:solidFill>
+                  <a:srgbClr val="40A070"/>
+                </a:solidFill>
+                <a:latin typeface="Courier"/>
+              </a:rPr>
+              <a:t>1</a:t>
+            </a:r>
+            <a:r>
+              <a:rPr>
+                <a:latin typeface="Courier"/>
+              </a:rPr>
+              <a:t>), </a:t>
+            </a:r>
+            <a:r>
+              <a:rPr>
+                <a:solidFill>
+                  <a:srgbClr val="7D9029"/>
+                </a:solidFill>
+                <a:latin typeface="Courier"/>
+              </a:rPr>
+              <a:t>end=</a:t>
+            </a:r>
+            <a:r>
+              <a:rPr>
+                <a:latin typeface="Courier"/>
+              </a:rPr>
+              <a:t> </a:t>
+            </a:r>
+            <a:r>
+              <a:rPr>
+                <a:solidFill>
+                  <a:srgbClr val="06287E"/>
+                </a:solidFill>
+                <a:latin typeface="Courier"/>
+              </a:rPr>
+              <a:t>c</a:t>
+            </a:r>
+            <a:r>
+              <a:rPr>
+                <a:latin typeface="Courier"/>
+              </a:rPr>
+              <a:t>(</a:t>
+            </a:r>
+            <a:r>
+              <a:rPr>
+                <a:solidFill>
+                  <a:srgbClr val="40A070"/>
+                </a:solidFill>
+                <a:latin typeface="Courier"/>
+              </a:rPr>
+              <a:t>2023</a:t>
+            </a:r>
+            <a:r>
+              <a:rPr>
+                <a:latin typeface="Courier"/>
+              </a:rPr>
+              <a:t>,</a:t>
+            </a:r>
+            <a:r>
+              <a:rPr>
+                <a:solidFill>
+                  <a:srgbClr val="40A070"/>
+                </a:solidFill>
+                <a:latin typeface="Courier"/>
+              </a:rPr>
+              <a:t>2</a:t>
+            </a:r>
+            <a:r>
+              <a:rPr>
+                <a:latin typeface="Courier"/>
+              </a:rPr>
+              <a:t>))</a:t>
+            </a:r>
+            <a:br/>
+            <a:r>
+              <a:rPr>
+                <a:solidFill>
+                  <a:srgbClr val="06287E"/>
+                </a:solidFill>
+                <a:latin typeface="Courier"/>
+              </a:rPr>
+              <a:t>autoplot</a:t>
+            </a:r>
+            <a:r>
+              <a:rPr>
+                <a:latin typeface="Courier"/>
+              </a:rPr>
+              <a:t>(The_before_during_after_Covid_model.data)</a:t>
+            </a:r>
+          </a:p>
+        </p:txBody>
+      </p:sp>
       <p:pic>
         <p:nvPicPr>
-          <p:cNvPr descr="fig:  The_power_point_files/figure-pptx/cars-1.png" id="0" name="Picture 1"/>
+          <p:cNvPr descr="The_power_point_files/figure-pptx/unnamed-chunk-6-1.png" id="0" name="Picture 1"/>
           <p:cNvPicPr>
             <a:picLocks noGrp="1" noChangeAspect="1"/>
           </p:cNvPicPr>
@@ -3598,8 +5038,8 @@
         </p:blipFill>
         <p:spPr bwMode="auto">
           <a:xfrm>
-            <a:off x="1689100" y="1193800"/>
-            <a:ext cx="5765800" cy="2882900"/>
+            <a:off x="3568700" y="355600"/>
+            <a:ext cx="5105400" cy="4089400"/>
           </a:xfrm>
           <a:prstGeom prst="rect">
             <a:avLst/>
@@ -3612,36 +5052,6 @@
           </a:ln>
         </p:spPr>
       </p:pic>
-      <p:sp>
-        <p:nvSpPr>
-          <p:cNvPr id="1" name="TextBox 3"/>
-          <p:cNvSpPr txBox="1"/>
-          <p:nvPr/>
-        </p:nvSpPr>
-        <p:spPr>
-          <a:xfrm>
-            <a:off x="457200" y="4076700"/>
-            <a:ext cx="8229600" cy="508000"/>
-          </a:xfrm>
-          <a:prstGeom prst="rect">
-            <a:avLst/>
-          </a:prstGeom>
-          <a:noFill/>
-        </p:spPr>
-        <p:txBody>
-          <a:bodyPr/>
-          <a:lstStyle/>
-          <a:p>
-            <a:pPr lvl="0" indent="0" marL="0" algn="ctr">
-              <a:buNone/>
-            </a:pPr>
-            <a:r>
-              <a:rPr/>
-              <a:t>A scatterplot.</a:t>
-            </a:r>
-          </a:p>
-        </p:txBody>
-      </p:sp>
     </p:spTree>
   </p:cSld>
 </p:sld>
@@ -3666,6 +5076,58 @@
       </p:grpSpPr>
       <p:sp>
         <p:nvSpPr>
+          <p:cNvPr id="3" name="Content Placeholder 2"/>
+          <p:cNvSpPr>
+            <a:spLocks noGrp="1"/>
+          </p:cNvSpPr>
+          <p:nvPr>
+            <p:ph idx="1"/>
+          </p:nvPr>
+        </p:nvSpPr>
+        <p:spPr/>
+        <p:txBody>
+          <a:bodyPr/>
+          <a:lstStyle/>
+          <a:p>
+            <a:pPr lvl="0" indent="0" marL="0">
+              <a:buNone/>
+            </a:pPr>
+          </a:p>
+          <a:p>
+            <a:pPr lvl="0" indent="0" marL="0">
+              <a:buNone/>
+            </a:pPr>
+            <a:r>
+              <a:rPr/>
+              <a:t>still ARIMA(2,1,0) and ARIMA(0,1,1) the random walk drift. even the AIC is supre close AIC(The_before_during_after_Covid_model_1) #1413.121 AIC(The_before_during_after_Covid_model_2) #1413.473</a:t>
+            </a:r>
+          </a:p>
+        </p:txBody>
+      </p:sp>
+    </p:spTree>
+  </p:cSld>
+</p:sld>
+</file>
+
+<file path=ppt/slides/slide9.xml><?xml version="1.0" encoding="utf-8"?>
+<p:sld xmlns:a="http://schemas.openxmlformats.org/drawingml/2006/main" xmlns:r="http://schemas.openxmlformats.org/officeDocument/2006/relationships" xmlns:p="http://schemas.openxmlformats.org/presentationml/2006/main">
+  <p:cSld>
+    <p:spTree>
+      <p:nvGrpSpPr>
+        <p:cNvPr id="1" name=""/>
+        <p:cNvGrpSpPr/>
+        <p:nvPr/>
+      </p:nvGrpSpPr>
+      <p:grpSpPr>
+        <a:xfrm>
+          <a:off x="0" y="0"/>
+          <a:ext cx="0" cy="0"/>
+          <a:chOff x="0" y="0"/>
+          <a:chExt cx="0" cy="0"/>
+        </a:xfrm>
+      </p:grpSpPr>
+      <p:sp>
+        <p:nvSpPr>
           <p:cNvPr id="2" name="Title 1"/>
           <p:cNvSpPr>
             <a:spLocks noGrp="1"/>
@@ -3684,37 +5146,67 @@
             </a:pPr>
             <a:r>
               <a:rPr/>
-              <a:t>Going to sleep</a:t>
-            </a:r>
-          </a:p>
-        </p:txBody>
-      </p:sp>
-      <p:sp>
-        <p:nvSpPr>
-          <p:cNvPr id="3" name="Content Placeholder 2"/>
-          <p:cNvSpPr>
-            <a:spLocks noGrp="1"/>
-          </p:cNvSpPr>
-          <p:nvPr>
-            <p:ph idx="1"/>
-          </p:nvPr>
-        </p:nvSpPr>
-        <p:spPr/>
-        <p:txBody>
-          <a:bodyPr/>
-          <a:lstStyle/>
-          <a:p>
-            <a:pPr lvl="0"/>
+              <a:t>constructed model 2: what if we only including the data from 2020 alone?</a:t>
+            </a:r>
+          </a:p>
+        </p:txBody>
+      </p:sp>
+      <p:pic>
+        <p:nvPicPr>
+          <p:cNvPr descr="fig:  The_power_point_files/figure-pptx/cars-1.png" id="0" name="Picture 1"/>
+          <p:cNvPicPr>
+            <a:picLocks noGrp="1" noChangeAspect="1"/>
+          </p:cNvPicPr>
+          <p:nvPr/>
+        </p:nvPicPr>
+        <p:blipFill>
+          <a:blip r:embed="rId2"/>
+          <a:stretch>
+            <a:fillRect/>
+          </a:stretch>
+        </p:blipFill>
+        <p:spPr bwMode="auto">
+          <a:xfrm>
+            <a:off x="2768600" y="1193800"/>
+            <a:ext cx="3606800" cy="2882900"/>
+          </a:xfrm>
+          <a:prstGeom prst="rect">
+            <a:avLst/>
+          </a:prstGeom>
+          <a:noFill/>
+          <a:ln w="9525">
+            <a:noFill/>
+            <a:headEnd/>
+            <a:tailEnd/>
+          </a:ln>
+        </p:spPr>
+      </p:pic>
+      <p:sp>
+        <p:nvSpPr>
+          <p:cNvPr id="1" name="TextBox 3"/>
+          <p:cNvSpPr txBox="1"/>
+          <p:nvPr/>
+        </p:nvSpPr>
+        <p:spPr>
+          <a:xfrm>
+            <a:off x="457200" y="4076700"/>
+            <a:ext cx="8229600" cy="508000"/>
+          </a:xfrm>
+          <a:prstGeom prst="rect">
+            <a:avLst/>
+          </a:prstGeom>
+          <a:noFill/>
+        </p:spPr>
+        <p:txBody>
+          <a:bodyPr/>
+          <a:lstStyle/>
+          <a:p>
+            <a:pPr lvl="0" indent="0" marL="0" algn="ctr">
+              <a:buNone/>
+            </a:pPr>
             <a:r>
               <a:rPr/>
-              <a:t>Get in bed</a:t>
-            </a:r>
-          </a:p>
-          <a:p>
-            <a:pPr lvl="0"/>
-            <a:r>
-              <a:rPr/>
-              <a:t>Count sheep</a:t>
+              <a:t>A scatterplot.</a:t>
             </a:r>
           </a:p>
         </p:txBody>

--- a/The research project/The_power_point.pptx
+++ b/The research project/The_power_point.pptx
@@ -19,6 +19,10 @@
     <p:sldId id="267" r:id="rId13"/>
     <p:sldId id="268" r:id="rId14"/>
     <p:sldId id="269" r:id="rId15"/>
+    <p:sldId id="270" r:id="rId16"/>
+    <p:sldId id="271" r:id="rId17"/>
+    <p:sldId id="272" r:id="rId18"/>
+    <p:sldId id="273" r:id="rId19"/>
   </p:sldIdLst>
   <p:sldSz cx="9144000" cy="5143500" type="screen16x9"/>
   <p:notesSz cx="6858000" cy="9144000"/>
@@ -3484,12 +3488,12 @@
       </p:grpSpPr>
       <p:sp>
         <p:nvSpPr>
-          <p:cNvPr id="3" name="Content Placeholder 2"/>
-          <p:cNvSpPr>
-            <a:spLocks noGrp="1"/>
-          </p:cNvSpPr>
-          <p:nvPr>
-            <p:ph idx="1"/>
+          <p:cNvPr id="4" name="Text Placeholder 3"/>
+          <p:cNvSpPr>
+            <a:spLocks noGrp="1"/>
+          </p:cNvSpPr>
+          <p:nvPr>
+            <p:ph idx="2" sz="half" type="body"/>
           </p:nvPr>
         </p:nvSpPr>
         <p:spPr/>
@@ -3502,21 +3506,351 @@
             </a:pPr>
           </a:p>
           <a:p>
-            <a:pPr lvl="0"/>
-            <a:r>
-              <a:rPr/>
-              <a:t>Get in bed</a:t>
-            </a:r>
-          </a:p>
-          <a:p>
-            <a:pPr lvl="0"/>
-            <a:r>
-              <a:rPr/>
-              <a:t>Count sheep</a:t>
-            </a:r>
-          </a:p>
-        </p:txBody>
-      </p:sp>
+            <a:pPr lvl="0" indent="0">
+              <a:buNone/>
+            </a:pPr>
+            <a:r>
+              <a:rPr>
+                <a:latin typeface="Courier"/>
+              </a:rPr>
+              <a:t>##  [1] 1.25 1.25 1.25 1.25 1.25 1.25 1.25 1.25 1.25 1.25 1.25 1.25</a:t>
+            </a:r>
+          </a:p>
+        </p:txBody>
+      </p:sp>
+      <p:pic>
+        <p:nvPicPr>
+          <p:cNvPr descr="The_power_point_files/figure-pptx/unnamed-chunk-13-1.png" id="0" name="Picture 1"/>
+          <p:cNvPicPr>
+            <a:picLocks noGrp="1" noChangeAspect="1"/>
+          </p:cNvPicPr>
+          <p:nvPr/>
+        </p:nvPicPr>
+        <p:blipFill>
+          <a:blip r:embed="rId2"/>
+          <a:stretch>
+            <a:fillRect/>
+          </a:stretch>
+        </p:blipFill>
+        <p:spPr bwMode="auto">
+          <a:xfrm>
+            <a:off x="3568700" y="355600"/>
+            <a:ext cx="5105400" cy="4089400"/>
+          </a:xfrm>
+          <a:prstGeom prst="rect">
+            <a:avLst/>
+          </a:prstGeom>
+          <a:noFill/>
+          <a:ln w="9525">
+            <a:noFill/>
+            <a:headEnd/>
+            <a:tailEnd/>
+          </a:ln>
+        </p:spPr>
+      </p:pic>
+    </p:spTree>
+  </p:cSld>
+</p:sld>
+</file>
+
+<file path=ppt/slides/slide15.xml><?xml version="1.0" encoding="utf-8"?>
+<p:sld xmlns:a="http://schemas.openxmlformats.org/drawingml/2006/main" xmlns:r="http://schemas.openxmlformats.org/officeDocument/2006/relationships" xmlns:p="http://schemas.openxmlformats.org/presentationml/2006/main">
+  <p:cSld>
+    <p:spTree>
+      <p:nvGrpSpPr>
+        <p:cNvPr id="1" name=""/>
+        <p:cNvGrpSpPr/>
+        <p:nvPr/>
+      </p:nvGrpSpPr>
+      <p:grpSpPr>
+        <a:xfrm>
+          <a:off x="0" y="0"/>
+          <a:ext cx="0" cy="0"/>
+          <a:chOff x="0" y="0"/>
+          <a:chExt cx="0" cy="0"/>
+        </a:xfrm>
+      </p:grpSpPr>
+      <p:sp>
+        <p:nvSpPr>
+          <p:cNvPr id="4" name="Text Placeholder 3"/>
+          <p:cNvSpPr>
+            <a:spLocks noGrp="1"/>
+          </p:cNvSpPr>
+          <p:nvPr>
+            <p:ph idx="2" sz="half" type="body"/>
+          </p:nvPr>
+        </p:nvSpPr>
+        <p:spPr/>
+        <p:txBody>
+          <a:bodyPr/>
+          <a:lstStyle/>
+          <a:p>
+            <a:pPr lvl="0" indent="0" marL="0">
+              <a:buNone/>
+            </a:pPr>
+          </a:p>
+          <a:p>
+            <a:pPr lvl="0" indent="0">
+              <a:buNone/>
+            </a:pPr>
+            <a:r>
+              <a:rPr>
+                <a:latin typeface="Courier"/>
+              </a:rPr>
+              <a:t>##  [1] 4.5 4.5 4.5 4.5 4.5 4.5 4.5 4.5 4.5 4.5 4.5 4.5</a:t>
+            </a:r>
+          </a:p>
+        </p:txBody>
+      </p:sp>
+      <p:pic>
+        <p:nvPicPr>
+          <p:cNvPr descr="The_power_point_files/figure-pptx/unnamed-chunk-13-2.png" id="0" name="Picture 1"/>
+          <p:cNvPicPr>
+            <a:picLocks noGrp="1" noChangeAspect="1"/>
+          </p:cNvPicPr>
+          <p:nvPr/>
+        </p:nvPicPr>
+        <p:blipFill>
+          <a:blip r:embed="rId2"/>
+          <a:stretch>
+            <a:fillRect/>
+          </a:stretch>
+        </p:blipFill>
+        <p:spPr bwMode="auto">
+          <a:xfrm>
+            <a:off x="3568700" y="355600"/>
+            <a:ext cx="5105400" cy="4089400"/>
+          </a:xfrm>
+          <a:prstGeom prst="rect">
+            <a:avLst/>
+          </a:prstGeom>
+          <a:noFill/>
+          <a:ln w="9525">
+            <a:noFill/>
+            <a:headEnd/>
+            <a:tailEnd/>
+          </a:ln>
+        </p:spPr>
+      </p:pic>
+    </p:spTree>
+  </p:cSld>
+</p:sld>
+</file>
+
+<file path=ppt/slides/slide16.xml><?xml version="1.0" encoding="utf-8"?>
+<p:sld xmlns:a="http://schemas.openxmlformats.org/drawingml/2006/main" xmlns:r="http://schemas.openxmlformats.org/officeDocument/2006/relationships" xmlns:p="http://schemas.openxmlformats.org/presentationml/2006/main">
+  <p:cSld>
+    <p:spTree>
+      <p:nvGrpSpPr>
+        <p:cNvPr id="1" name=""/>
+        <p:cNvGrpSpPr/>
+        <p:nvPr/>
+      </p:nvGrpSpPr>
+      <p:grpSpPr>
+        <a:xfrm>
+          <a:off x="0" y="0"/>
+          <a:ext cx="0" cy="0"/>
+          <a:chOff x="0" y="0"/>
+          <a:chExt cx="0" cy="0"/>
+        </a:xfrm>
+      </p:grpSpPr>
+      <p:sp>
+        <p:nvSpPr>
+          <p:cNvPr id="4" name="Text Placeholder 3"/>
+          <p:cNvSpPr>
+            <a:spLocks noGrp="1"/>
+          </p:cNvSpPr>
+          <p:nvPr>
+            <p:ph idx="2" sz="half" type="body"/>
+          </p:nvPr>
+        </p:nvSpPr>
+        <p:spPr/>
+        <p:txBody>
+          <a:bodyPr/>
+          <a:lstStyle/>
+          <a:p>
+            <a:pPr lvl="0" indent="0" marL="0">
+              <a:buNone/>
+            </a:pPr>
+          </a:p>
+        </p:txBody>
+      </p:sp>
+      <p:pic>
+        <p:nvPicPr>
+          <p:cNvPr descr="The_power_point_files/figure-pptx/unnamed-chunk-15-1.png" id="0" name="Picture 1"/>
+          <p:cNvPicPr>
+            <a:picLocks noGrp="1" noChangeAspect="1"/>
+          </p:cNvPicPr>
+          <p:nvPr/>
+        </p:nvPicPr>
+        <p:blipFill>
+          <a:blip r:embed="rId2"/>
+          <a:stretch>
+            <a:fillRect/>
+          </a:stretch>
+        </p:blipFill>
+        <p:spPr bwMode="auto">
+          <a:xfrm>
+            <a:off x="3568700" y="355600"/>
+            <a:ext cx="5105400" cy="4089400"/>
+          </a:xfrm>
+          <a:prstGeom prst="rect">
+            <a:avLst/>
+          </a:prstGeom>
+          <a:noFill/>
+          <a:ln w="9525">
+            <a:noFill/>
+            <a:headEnd/>
+            <a:tailEnd/>
+          </a:ln>
+        </p:spPr>
+      </p:pic>
+    </p:spTree>
+  </p:cSld>
+</p:sld>
+</file>
+
+<file path=ppt/slides/slide17.xml><?xml version="1.0" encoding="utf-8"?>
+<p:sld xmlns:a="http://schemas.openxmlformats.org/drawingml/2006/main" xmlns:r="http://schemas.openxmlformats.org/officeDocument/2006/relationships" xmlns:p="http://schemas.openxmlformats.org/presentationml/2006/main">
+  <p:cSld>
+    <p:spTree>
+      <p:nvGrpSpPr>
+        <p:cNvPr id="1" name=""/>
+        <p:cNvGrpSpPr/>
+        <p:nvPr/>
+      </p:nvGrpSpPr>
+      <p:grpSpPr>
+        <a:xfrm>
+          <a:off x="0" y="0"/>
+          <a:ext cx="0" cy="0"/>
+          <a:chOff x="0" y="0"/>
+          <a:chExt cx="0" cy="0"/>
+        </a:xfrm>
+      </p:grpSpPr>
+      <p:sp>
+        <p:nvSpPr>
+          <p:cNvPr id="4" name="Text Placeholder 3"/>
+          <p:cNvSpPr>
+            <a:spLocks noGrp="1"/>
+          </p:cNvSpPr>
+          <p:nvPr>
+            <p:ph idx="2" sz="half" type="body"/>
+          </p:nvPr>
+        </p:nvSpPr>
+        <p:spPr/>
+        <p:txBody>
+          <a:bodyPr/>
+          <a:lstStyle/>
+          <a:p>
+            <a:pPr lvl="0" indent="0" marL="0">
+              <a:buNone/>
+            </a:pPr>
+          </a:p>
+        </p:txBody>
+      </p:sp>
+      <p:pic>
+        <p:nvPicPr>
+          <p:cNvPr descr="The_power_point_files/figure-pptx/unnamed-chunk-17-1.png" id="0" name="Picture 1"/>
+          <p:cNvPicPr>
+            <a:picLocks noGrp="1" noChangeAspect="1"/>
+          </p:cNvPicPr>
+          <p:nvPr/>
+        </p:nvPicPr>
+        <p:blipFill>
+          <a:blip r:embed="rId2"/>
+          <a:stretch>
+            <a:fillRect/>
+          </a:stretch>
+        </p:blipFill>
+        <p:spPr bwMode="auto">
+          <a:xfrm>
+            <a:off x="3568700" y="355600"/>
+            <a:ext cx="5105400" cy="4089400"/>
+          </a:xfrm>
+          <a:prstGeom prst="rect">
+            <a:avLst/>
+          </a:prstGeom>
+          <a:noFill/>
+          <a:ln w="9525">
+            <a:noFill/>
+            <a:headEnd/>
+            <a:tailEnd/>
+          </a:ln>
+        </p:spPr>
+      </p:pic>
+    </p:spTree>
+  </p:cSld>
+</p:sld>
+</file>
+
+<file path=ppt/slides/slide18.xml><?xml version="1.0" encoding="utf-8"?>
+<p:sld xmlns:a="http://schemas.openxmlformats.org/drawingml/2006/main" xmlns:r="http://schemas.openxmlformats.org/officeDocument/2006/relationships" xmlns:p="http://schemas.openxmlformats.org/presentationml/2006/main">
+  <p:cSld>
+    <p:spTree>
+      <p:nvGrpSpPr>
+        <p:cNvPr id="1" name=""/>
+        <p:cNvGrpSpPr/>
+        <p:nvPr/>
+      </p:nvGrpSpPr>
+      <p:grpSpPr>
+        <a:xfrm>
+          <a:off x="0" y="0"/>
+          <a:ext cx="0" cy="0"/>
+          <a:chOff x="0" y="0"/>
+          <a:chExt cx="0" cy="0"/>
+        </a:xfrm>
+      </p:grpSpPr>
+      <p:sp>
+        <p:nvSpPr>
+          <p:cNvPr id="4" name="Text Placeholder 3"/>
+          <p:cNvSpPr>
+            <a:spLocks noGrp="1"/>
+          </p:cNvSpPr>
+          <p:nvPr>
+            <p:ph idx="2" sz="half" type="body"/>
+          </p:nvPr>
+        </p:nvSpPr>
+        <p:spPr/>
+        <p:txBody>
+          <a:bodyPr/>
+          <a:lstStyle/>
+          <a:p>
+            <a:pPr lvl="0" indent="0" marL="0">
+              <a:buNone/>
+            </a:pPr>
+          </a:p>
+        </p:txBody>
+      </p:sp>
+      <p:pic>
+        <p:nvPicPr>
+          <p:cNvPr descr="The_power_point_files/figure-pptx/unnamed-chunk-19-1.png" id="0" name="Picture 1"/>
+          <p:cNvPicPr>
+            <a:picLocks noGrp="1" noChangeAspect="1"/>
+          </p:cNvPicPr>
+          <p:nvPr/>
+        </p:nvPicPr>
+        <p:blipFill>
+          <a:blip r:embed="rId2"/>
+          <a:stretch>
+            <a:fillRect/>
+          </a:stretch>
+        </p:blipFill>
+        <p:spPr bwMode="auto">
+          <a:xfrm>
+            <a:off x="3568700" y="355600"/>
+            <a:ext cx="5105400" cy="4089400"/>
+          </a:xfrm>
+          <a:prstGeom prst="rect">
+            <a:avLst/>
+          </a:prstGeom>
+          <a:noFill/>
+          <a:ln w="9525">
+            <a:noFill/>
+            <a:headEnd/>
+            <a:tailEnd/>
+          </a:ln>
+        </p:spPr>
+      </p:pic>
     </p:spTree>
   </p:cSld>
 </p:sld>
